--- a/assets/img/case-studies/case2.pptx
+++ b/assets/img/case-studies/case2.pptx
@@ -6,6 +6,7 @@
   </p:sldMasterIdLst>
   <p:sldIdLst>
     <p:sldId id="256" r:id="rId2"/>
+    <p:sldId id="257" r:id="rId3"/>
   </p:sldIdLst>
   <p:sldSz cx="6858000" cy="12192000"/>
   <p:notesSz cx="6858000" cy="9144000"/>
@@ -2993,7 +2994,7 @@
         </p:blipFill>
         <p:spPr>
           <a:xfrm>
-            <a:off x="0" y="3757393"/>
+            <a:off x="0" y="336860"/>
             <a:ext cx="6858000" cy="4677214"/>
           </a:xfrm>
           <a:prstGeom prst="rect">
@@ -3005,6 +3006,184 @@
     <p:extLst>
       <p:ext uri="{BB962C8B-B14F-4D97-AF65-F5344CB8AC3E}">
         <p14:creationId xmlns:p14="http://schemas.microsoft.com/office/powerpoint/2010/main" val="3290984814"/>
+      </p:ext>
+    </p:extLst>
+  </p:cSld>
+  <p:clrMapOvr>
+    <a:masterClrMapping/>
+  </p:clrMapOvr>
+</p:sld>
+</file>
+
+<file path=ppt/slides/slide2.xml><?xml version="1.0" encoding="utf-8"?>
+<p:sld xmlns:a="http://schemas.openxmlformats.org/drawingml/2006/main" xmlns:r="http://schemas.openxmlformats.org/officeDocument/2006/relationships" xmlns:p="http://schemas.openxmlformats.org/presentationml/2006/main">
+  <p:cSld>
+    <p:spTree>
+      <p:nvGrpSpPr>
+        <p:cNvPr id="1" name=""/>
+        <p:cNvGrpSpPr/>
+        <p:nvPr/>
+      </p:nvGrpSpPr>
+      <p:grpSpPr>
+        <a:xfrm>
+          <a:off x="0" y="0"/>
+          <a:ext cx="0" cy="0"/>
+          <a:chOff x="0" y="0"/>
+          <a:chExt cx="0" cy="0"/>
+        </a:xfrm>
+      </p:grpSpPr>
+      <p:pic>
+        <p:nvPicPr>
+          <p:cNvPr id="4" name="Picture 3">
+            <a:extLst>
+              <a:ext uri="{FF2B5EF4-FFF2-40B4-BE49-F238E27FC236}">
+                <a16:creationId xmlns:a16="http://schemas.microsoft.com/office/drawing/2014/main" id="{6E2961AA-DD4E-49C2-BA58-5C75FEA9101D}"/>
+              </a:ext>
+            </a:extLst>
+          </p:cNvPr>
+          <p:cNvPicPr>
+            <a:picLocks noChangeAspect="1"/>
+          </p:cNvPicPr>
+          <p:nvPr/>
+        </p:nvPicPr>
+        <p:blipFill>
+          <a:blip r:embed="rId2"/>
+          <a:stretch>
+            <a:fillRect/>
+          </a:stretch>
+        </p:blipFill>
+        <p:spPr>
+          <a:xfrm>
+            <a:off x="1600200" y="8816667"/>
+            <a:ext cx="3657600" cy="1985554"/>
+          </a:xfrm>
+          <a:prstGeom prst="rect">
+            <a:avLst/>
+          </a:prstGeom>
+        </p:spPr>
+      </p:pic>
+      <p:pic>
+        <p:nvPicPr>
+          <p:cNvPr id="6" name="Picture 5">
+            <a:extLst>
+              <a:ext uri="{FF2B5EF4-FFF2-40B4-BE49-F238E27FC236}">
+                <a16:creationId xmlns:a16="http://schemas.microsoft.com/office/drawing/2014/main" id="{E9F9A7AF-AA02-1634-CDE8-EB113682BE76}"/>
+              </a:ext>
+            </a:extLst>
+          </p:cNvPr>
+          <p:cNvPicPr>
+            <a:picLocks noChangeAspect="1"/>
+          </p:cNvPicPr>
+          <p:nvPr/>
+        </p:nvPicPr>
+        <p:blipFill rotWithShape="1">
+          <a:blip r:embed="rId3"/>
+          <a:srcRect l="2667"/>
+          <a:stretch/>
+        </p:blipFill>
+        <p:spPr>
+          <a:xfrm>
+            <a:off x="1600200" y="6521034"/>
+            <a:ext cx="3657600" cy="2133109"/>
+          </a:xfrm>
+          <a:prstGeom prst="rect">
+            <a:avLst/>
+          </a:prstGeom>
+        </p:spPr>
+      </p:pic>
+      <p:pic>
+        <p:nvPicPr>
+          <p:cNvPr id="8" name="Picture 7">
+            <a:extLst>
+              <a:ext uri="{FF2B5EF4-FFF2-40B4-BE49-F238E27FC236}">
+                <a16:creationId xmlns:a16="http://schemas.microsoft.com/office/drawing/2014/main" id="{74A600D8-737F-A65C-15CD-5C756DF34DDF}"/>
+              </a:ext>
+            </a:extLst>
+          </p:cNvPr>
+          <p:cNvPicPr>
+            <a:picLocks noChangeAspect="1"/>
+          </p:cNvPicPr>
+          <p:nvPr/>
+        </p:nvPicPr>
+        <p:blipFill rotWithShape="1">
+          <a:blip r:embed="rId4"/>
+          <a:srcRect b="9851"/>
+          <a:stretch/>
+        </p:blipFill>
+        <p:spPr>
+          <a:xfrm>
+            <a:off x="1600200" y="5111104"/>
+            <a:ext cx="1828800" cy="1247406"/>
+          </a:xfrm>
+          <a:prstGeom prst="rect">
+            <a:avLst/>
+          </a:prstGeom>
+        </p:spPr>
+      </p:pic>
+      <p:pic>
+        <p:nvPicPr>
+          <p:cNvPr id="10" name="Picture 9">
+            <a:extLst>
+              <a:ext uri="{FF2B5EF4-FFF2-40B4-BE49-F238E27FC236}">
+                <a16:creationId xmlns:a16="http://schemas.microsoft.com/office/drawing/2014/main" id="{A57BB132-D627-422D-6EA6-DB5F1D08AEA4}"/>
+              </a:ext>
+            </a:extLst>
+          </p:cNvPr>
+          <p:cNvPicPr>
+            <a:picLocks noChangeAspect="1"/>
+          </p:cNvPicPr>
+          <p:nvPr/>
+        </p:nvPicPr>
+        <p:blipFill>
+          <a:blip r:embed="rId5"/>
+          <a:stretch>
+            <a:fillRect/>
+          </a:stretch>
+        </p:blipFill>
+        <p:spPr>
+          <a:xfrm>
+            <a:off x="3429000" y="4929560"/>
+            <a:ext cx="1828800" cy="1482811"/>
+          </a:xfrm>
+          <a:prstGeom prst="rect">
+            <a:avLst/>
+          </a:prstGeom>
+        </p:spPr>
+      </p:pic>
+      <p:pic>
+        <p:nvPicPr>
+          <p:cNvPr id="12" name="Picture 11">
+            <a:extLst>
+              <a:ext uri="{FF2B5EF4-FFF2-40B4-BE49-F238E27FC236}">
+                <a16:creationId xmlns:a16="http://schemas.microsoft.com/office/drawing/2014/main" id="{5C4024EC-C23E-6543-3E4B-AA36991D35F3}"/>
+              </a:ext>
+            </a:extLst>
+          </p:cNvPr>
+          <p:cNvPicPr>
+            <a:picLocks noChangeAspect="1"/>
+          </p:cNvPicPr>
+          <p:nvPr/>
+        </p:nvPicPr>
+        <p:blipFill>
+          <a:blip r:embed="rId6"/>
+          <a:stretch>
+            <a:fillRect/>
+          </a:stretch>
+        </p:blipFill>
+        <p:spPr>
+          <a:xfrm>
+            <a:off x="1600200" y="2253236"/>
+            <a:ext cx="3657600" cy="2513800"/>
+          </a:xfrm>
+          <a:prstGeom prst="rect">
+            <a:avLst/>
+          </a:prstGeom>
+        </p:spPr>
+      </p:pic>
+    </p:spTree>
+    <p:extLst>
+      <p:ext uri="{BB962C8B-B14F-4D97-AF65-F5344CB8AC3E}">
+        <p14:creationId xmlns:p14="http://schemas.microsoft.com/office/powerpoint/2010/main" val="1312966691"/>
       </p:ext>
     </p:extLst>
   </p:cSld>
